--- a/slides/DeepAR-Presentation.pptx
+++ b/slides/DeepAR-Presentation.pptx
@@ -382,7 +382,7 @@
           <a:p>
             <a:fld id="{B82DE7DF-5EEA-3D47-81E5-5D57FBEEB387}" type="datetimeFigureOut">
               <a:rPr lang="en-US" smtClean="0"/>
-              <a:t>5/13/18</a:t>
+              <a:t>7/27/18</a:t>
             </a:fld>
             <a:endParaRPr lang="en-US"/>
           </a:p>
@@ -552,7 +552,7 @@
             <a:fld id="{0B25AC41-3BEC-9247-8322-91B80C013F2D}" type="datetimeFigureOut">
               <a:rPr lang="en-US" smtClean="0"/>
               <a:pPr/>
-              <a:t>5/13/18</a:t>
+              <a:t>7/27/18</a:t>
             </a:fld>
             <a:endParaRPr lang="en-US" dirty="0"/>
           </a:p>
@@ -6005,7 +6005,7 @@
 </file>
 
 <file path=ppt/slides/slide10.xml><?xml version="1.0" encoding="utf-8"?>
-<p:sld xmlns:a="http://schemas.openxmlformats.org/drawingml/2006/main" xmlns:r="http://schemas.openxmlformats.org/officeDocument/2006/relationships" xmlns:p="http://schemas.openxmlformats.org/presentationml/2006/main">
+<p:sld xmlns:a="http://schemas.openxmlformats.org/drawingml/2006/main" xmlns:r="http://schemas.openxmlformats.org/officeDocument/2006/relationships" xmlns:p="http://schemas.openxmlformats.org/presentationml/2006/main" show="0">
   <p:cSld>
     <p:spTree>
       <p:nvGrpSpPr>
@@ -6138,7 +6138,7 @@
 </file>
 
 <file path=ppt/slides/slide11.xml><?xml version="1.0" encoding="utf-8"?>
-<p:sld xmlns:a="http://schemas.openxmlformats.org/drawingml/2006/main" xmlns:r="http://schemas.openxmlformats.org/officeDocument/2006/relationships" xmlns:p="http://schemas.openxmlformats.org/presentationml/2006/main">
+<p:sld xmlns:a="http://schemas.openxmlformats.org/drawingml/2006/main" xmlns:r="http://schemas.openxmlformats.org/officeDocument/2006/relationships" xmlns:p="http://schemas.openxmlformats.org/presentationml/2006/main" show="0">
   <p:cSld>
     <p:spTree>
       <p:nvGrpSpPr>
@@ -6227,8 +6227,8 @@
           </a:p>
         </p:txBody>
       </p:sp>
-      <mc:AlternateContent xmlns:mc="http://schemas.openxmlformats.org/markup-compatibility/2006">
-        <mc:Choice xmlns:a14="http://schemas.microsoft.com/office/drawing/2010/main" Requires="a14">
+      <mc:AlternateContent xmlns:mc="http://schemas.openxmlformats.org/markup-compatibility/2006" xmlns:a14="http://schemas.microsoft.com/office/drawing/2010/main">
+        <mc:Choice Requires="a14">
           <p:sp>
             <p:nvSpPr>
               <p:cNvPr id="5" name="Rectangle 4">
@@ -6746,7 +6746,6 @@
                 </a:endParaRPr>
               </a:p>
               <a:p>
-                <a:pPr/>
                 <a:endParaRPr lang="en-US" b="0" i="1" dirty="0">
                   <a:latin typeface="Cambria Math" panose="02040503050406030204" pitchFamily="18" charset="0"/>
                 </a:endParaRPr>
@@ -6999,7 +6998,7 @@
             </p:txBody>
           </p:sp>
         </mc:Choice>
-        <mc:Fallback>
+        <mc:Fallback xmlns="">
           <p:sp>
             <p:nvSpPr>
               <p:cNvPr id="5" name="Rectangle 4">
@@ -7226,7 +7225,7 @@
 </file>
 
 <file path=ppt/slides/slide12.xml><?xml version="1.0" encoding="utf-8"?>
-<p:sld xmlns:a="http://schemas.openxmlformats.org/drawingml/2006/main" xmlns:r="http://schemas.openxmlformats.org/officeDocument/2006/relationships" xmlns:p="http://schemas.openxmlformats.org/presentationml/2006/main">
+<p:sld xmlns:a="http://schemas.openxmlformats.org/drawingml/2006/main" xmlns:r="http://schemas.openxmlformats.org/officeDocument/2006/relationships" xmlns:p="http://schemas.openxmlformats.org/presentationml/2006/main" show="0">
   <p:cSld>
     <p:spTree>
       <p:nvGrpSpPr>
@@ -7326,8 +7325,8 @@
           </a:p>
         </p:txBody>
       </p:sp>
-      <mc:AlternateContent xmlns:mc="http://schemas.openxmlformats.org/markup-compatibility/2006">
-        <mc:Choice xmlns:a14="http://schemas.microsoft.com/office/drawing/2010/main" Requires="a14">
+      <mc:AlternateContent xmlns:mc="http://schemas.openxmlformats.org/markup-compatibility/2006" xmlns:a14="http://schemas.microsoft.com/office/drawing/2010/main">
+        <mc:Choice Requires="a14">
           <p:sp>
             <p:nvSpPr>
               <p:cNvPr id="4" name="Rectangle 3">
@@ -7547,7 +7546,7 @@
                           <m:d>
                             <m:dPr>
                               <m:ctrlPr>
-                                <a:rPr lang="en-US" b="0" i="0" smtClean="0">
+                                <a:rPr lang="en-US" b="0" i="1" smtClean="0">
                                   <a:latin typeface="Cambria Math" panose="02040503050406030204" pitchFamily="18" charset="0"/>
                                 </a:rPr>
                               </m:ctrlPr>
@@ -7556,7 +7555,7 @@
                               <m:f>
                                 <m:fPr>
                                   <m:ctrlPr>
-                                    <a:rPr lang="en-US" b="0" i="0" smtClean="0">
+                                    <a:rPr lang="en-US" b="0" i="1" smtClean="0">
                                       <a:latin typeface="Cambria Math" panose="02040503050406030204" pitchFamily="18" charset="0"/>
                                     </a:rPr>
                                   </m:ctrlPr>
@@ -7731,7 +7730,6 @@
                 </a:endParaRPr>
               </a:p>
               <a:p>
-                <a:pPr/>
                 <a:endParaRPr lang="en-US" b="0" i="1" dirty="0">
                   <a:latin typeface="Cambria Math" panose="02040503050406030204" pitchFamily="18" charset="0"/>
                 </a:endParaRPr>
@@ -7982,7 +7980,6 @@
                 </a:endParaRPr>
               </a:p>
               <a:p>
-                <a:pPr/>
                 <a:endParaRPr lang="en-US" b="0" i="1" dirty="0">
                   <a:latin typeface="Cambria Math" panose="02040503050406030204" pitchFamily="18" charset="0"/>
                 </a:endParaRPr>
@@ -8233,7 +8230,7 @@
             </p:txBody>
           </p:sp>
         </mc:Choice>
-        <mc:Fallback>
+        <mc:Fallback xmlns="">
           <p:sp>
             <p:nvSpPr>
               <p:cNvPr id="4" name="Rectangle 3">
@@ -8283,8 +8280,8 @@
           </p:sp>
         </mc:Fallback>
       </mc:AlternateContent>
-      <mc:AlternateContent xmlns:mc="http://schemas.openxmlformats.org/markup-compatibility/2006">
-        <mc:Choice xmlns:a14="http://schemas.microsoft.com/office/drawing/2010/main" Requires="a14">
+      <mc:AlternateContent xmlns:mc="http://schemas.openxmlformats.org/markup-compatibility/2006" xmlns:a14="http://schemas.microsoft.com/office/drawing/2010/main">
+        <mc:Choice Requires="a14">
           <p:sp>
             <p:nvSpPr>
               <p:cNvPr id="7" name="TextBox 6">
@@ -8595,7 +8592,7 @@
             </p:txBody>
           </p:sp>
         </mc:Choice>
-        <mc:Fallback>
+        <mc:Fallback xmlns="">
           <p:sp>
             <p:nvSpPr>
               <p:cNvPr id="7" name="TextBox 6">
@@ -8654,7 +8651,7 @@
 </file>
 
 <file path=ppt/slides/slide13.xml><?xml version="1.0" encoding="utf-8"?>
-<p:sld xmlns:a="http://schemas.openxmlformats.org/drawingml/2006/main" xmlns:r="http://schemas.openxmlformats.org/officeDocument/2006/relationships" xmlns:p="http://schemas.openxmlformats.org/presentationml/2006/main">
+<p:sld xmlns:a="http://schemas.openxmlformats.org/drawingml/2006/main" xmlns:r="http://schemas.openxmlformats.org/officeDocument/2006/relationships" xmlns:p="http://schemas.openxmlformats.org/presentationml/2006/main" show="0">
   <p:cSld>
     <p:spTree>
       <p:nvGrpSpPr>
@@ -8698,8 +8695,8 @@
           </a:p>
         </p:txBody>
       </p:sp>
-      <mc:AlternateContent xmlns:mc="http://schemas.openxmlformats.org/markup-compatibility/2006">
-        <mc:Choice xmlns:a14="http://schemas.microsoft.com/office/drawing/2010/main" Requires="a14">
+      <mc:AlternateContent xmlns:mc="http://schemas.openxmlformats.org/markup-compatibility/2006" xmlns:a14="http://schemas.microsoft.com/office/drawing/2010/main">
+        <mc:Choice Requires="a14">
           <p:sp>
             <p:nvSpPr>
               <p:cNvPr id="3" name="Content Placeholder 2">
@@ -8945,7 +8942,7 @@
             </p:txBody>
           </p:sp>
         </mc:Choice>
-        <mc:Fallback>
+        <mc:Fallback xmlns="">
           <p:sp>
             <p:nvSpPr>
               <p:cNvPr id="3" name="Content Placeholder 2">
@@ -8999,7 +8996,7 @@
 </file>
 
 <file path=ppt/slides/slide14.xml><?xml version="1.0" encoding="utf-8"?>
-<p:sld xmlns:a="http://schemas.openxmlformats.org/drawingml/2006/main" xmlns:r="http://schemas.openxmlformats.org/officeDocument/2006/relationships" xmlns:p="http://schemas.openxmlformats.org/presentationml/2006/main">
+<p:sld xmlns:a="http://schemas.openxmlformats.org/drawingml/2006/main" xmlns:r="http://schemas.openxmlformats.org/officeDocument/2006/relationships" xmlns:p="http://schemas.openxmlformats.org/presentationml/2006/main" show="0">
   <p:cSld>
     <p:spTree>
       <p:nvGrpSpPr>
@@ -9252,6 +9249,397 @@
           </a:prstGeom>
         </p:spPr>
       </p:pic>
+      <p:sp>
+        <p:nvSpPr>
+          <p:cNvPr id="5" name="Rectangle 4">
+            <a:extLst>
+              <a:ext uri="{FF2B5EF4-FFF2-40B4-BE49-F238E27FC236}">
+                <a16:creationId xmlns:a16="http://schemas.microsoft.com/office/drawing/2014/main" id="{98E4CACE-752F-3D4C-BC2D-81CB0FE83392}"/>
+              </a:ext>
+            </a:extLst>
+          </p:cNvPr>
+          <p:cNvSpPr/>
+          <p:nvPr/>
+        </p:nvSpPr>
+        <p:spPr>
+          <a:xfrm>
+            <a:off x="2735276" y="1470478"/>
+            <a:ext cx="310393" cy="3387272"/>
+          </a:xfrm>
+          <a:prstGeom prst="rect">
+            <a:avLst/>
+          </a:prstGeom>
+          <a:solidFill>
+            <a:srgbClr val="FFC000">
+              <a:alpha val="10000"/>
+            </a:srgbClr>
+          </a:solidFill>
+          <a:ln>
+            <a:solidFill>
+              <a:srgbClr val="FAAF00"/>
+            </a:solidFill>
+          </a:ln>
+          <a:effectLst/>
+        </p:spPr>
+        <p:style>
+          <a:lnRef idx="1">
+            <a:schemeClr val="accent1"/>
+          </a:lnRef>
+          <a:fillRef idx="3">
+            <a:schemeClr val="accent1"/>
+          </a:fillRef>
+          <a:effectRef idx="2">
+            <a:schemeClr val="accent1"/>
+          </a:effectRef>
+          <a:fontRef idx="minor">
+            <a:schemeClr val="lt1"/>
+          </a:fontRef>
+        </p:style>
+        <p:txBody>
+          <a:bodyPr rtlCol="0" anchor="ctr"/>
+          <a:lstStyle/>
+          <a:p>
+            <a:pPr algn="ctr"/>
+            <a:endParaRPr lang="en-US" dirty="0"/>
+          </a:p>
+        </p:txBody>
+      </p:sp>
+      <p:sp>
+        <p:nvSpPr>
+          <p:cNvPr id="8" name="Rectangle 7">
+            <a:extLst>
+              <a:ext uri="{FF2B5EF4-FFF2-40B4-BE49-F238E27FC236}">
+                <a16:creationId xmlns:a16="http://schemas.microsoft.com/office/drawing/2014/main" id="{5398D7B9-0470-664B-8D41-A7879561EAE3}"/>
+              </a:ext>
+            </a:extLst>
+          </p:cNvPr>
+          <p:cNvSpPr/>
+          <p:nvPr/>
+        </p:nvSpPr>
+        <p:spPr>
+          <a:xfrm>
+            <a:off x="3047066" y="1470478"/>
+            <a:ext cx="310393" cy="3387272"/>
+          </a:xfrm>
+          <a:prstGeom prst="rect">
+            <a:avLst/>
+          </a:prstGeom>
+          <a:solidFill>
+            <a:srgbClr val="FFC000">
+              <a:alpha val="30000"/>
+            </a:srgbClr>
+          </a:solidFill>
+          <a:ln>
+            <a:solidFill>
+              <a:srgbClr val="FAAF00"/>
+            </a:solidFill>
+          </a:ln>
+          <a:effectLst/>
+        </p:spPr>
+        <p:style>
+          <a:lnRef idx="1">
+            <a:schemeClr val="accent1"/>
+          </a:lnRef>
+          <a:fillRef idx="3">
+            <a:schemeClr val="accent1"/>
+          </a:fillRef>
+          <a:effectRef idx="2">
+            <a:schemeClr val="accent1"/>
+          </a:effectRef>
+          <a:fontRef idx="minor">
+            <a:schemeClr val="lt1"/>
+          </a:fontRef>
+        </p:style>
+        <p:txBody>
+          <a:bodyPr rtlCol="0" anchor="ctr"/>
+          <a:lstStyle/>
+          <a:p>
+            <a:pPr algn="ctr"/>
+            <a:r>
+              <a:rPr lang="en-US" dirty="0"/>
+              <a:t>``````````````</a:t>
+            </a:r>
+          </a:p>
+        </p:txBody>
+      </p:sp>
+      <p:sp>
+        <p:nvSpPr>
+          <p:cNvPr id="9" name="Rectangle 8">
+            <a:extLst>
+              <a:ext uri="{FF2B5EF4-FFF2-40B4-BE49-F238E27FC236}">
+                <a16:creationId xmlns:a16="http://schemas.microsoft.com/office/drawing/2014/main" id="{75120F6E-675F-8440-BF89-CE5A70CED2C1}"/>
+              </a:ext>
+            </a:extLst>
+          </p:cNvPr>
+          <p:cNvSpPr/>
+          <p:nvPr/>
+        </p:nvSpPr>
+        <p:spPr>
+          <a:xfrm>
+            <a:off x="3357459" y="1470478"/>
+            <a:ext cx="310393" cy="3387272"/>
+          </a:xfrm>
+          <a:prstGeom prst="rect">
+            <a:avLst/>
+          </a:prstGeom>
+          <a:solidFill>
+            <a:srgbClr val="FFC000">
+              <a:alpha val="10000"/>
+            </a:srgbClr>
+          </a:solidFill>
+          <a:ln>
+            <a:solidFill>
+              <a:srgbClr val="FAAF00"/>
+            </a:solidFill>
+          </a:ln>
+          <a:effectLst/>
+        </p:spPr>
+        <p:style>
+          <a:lnRef idx="1">
+            <a:schemeClr val="accent1"/>
+          </a:lnRef>
+          <a:fillRef idx="3">
+            <a:schemeClr val="accent1"/>
+          </a:fillRef>
+          <a:effectRef idx="2">
+            <a:schemeClr val="accent1"/>
+          </a:effectRef>
+          <a:fontRef idx="minor">
+            <a:schemeClr val="lt1"/>
+          </a:fontRef>
+        </p:style>
+        <p:txBody>
+          <a:bodyPr rtlCol="0" anchor="ctr"/>
+          <a:lstStyle/>
+          <a:p>
+            <a:pPr algn="ctr"/>
+            <a:endParaRPr lang="en-US" dirty="0"/>
+          </a:p>
+        </p:txBody>
+      </p:sp>
+      <p:sp>
+        <p:nvSpPr>
+          <p:cNvPr id="10" name="Rectangle 9">
+            <a:extLst>
+              <a:ext uri="{FF2B5EF4-FFF2-40B4-BE49-F238E27FC236}">
+                <a16:creationId xmlns:a16="http://schemas.microsoft.com/office/drawing/2014/main" id="{8F82DD60-EDC3-8249-AD1B-367CD08DE197}"/>
+              </a:ext>
+            </a:extLst>
+          </p:cNvPr>
+          <p:cNvSpPr/>
+          <p:nvPr/>
+        </p:nvSpPr>
+        <p:spPr>
+          <a:xfrm>
+            <a:off x="3667852" y="1470478"/>
+            <a:ext cx="310393" cy="3387272"/>
+          </a:xfrm>
+          <a:prstGeom prst="rect">
+            <a:avLst/>
+          </a:prstGeom>
+          <a:solidFill>
+            <a:srgbClr val="FFC000">
+              <a:alpha val="30000"/>
+            </a:srgbClr>
+          </a:solidFill>
+          <a:ln>
+            <a:solidFill>
+              <a:srgbClr val="FAAF00"/>
+            </a:solidFill>
+          </a:ln>
+          <a:effectLst/>
+        </p:spPr>
+        <p:style>
+          <a:lnRef idx="1">
+            <a:schemeClr val="accent1"/>
+          </a:lnRef>
+          <a:fillRef idx="3">
+            <a:schemeClr val="accent1"/>
+          </a:fillRef>
+          <a:effectRef idx="2">
+            <a:schemeClr val="accent1"/>
+          </a:effectRef>
+          <a:fontRef idx="minor">
+            <a:schemeClr val="lt1"/>
+          </a:fontRef>
+        </p:style>
+        <p:txBody>
+          <a:bodyPr rtlCol="0" anchor="ctr"/>
+          <a:lstStyle/>
+          <a:p>
+            <a:pPr algn="ctr"/>
+            <a:r>
+              <a:rPr lang="en-US" dirty="0"/>
+              <a:t>````````</a:t>
+            </a:r>
+          </a:p>
+        </p:txBody>
+      </p:sp>
+      <p:sp>
+        <p:nvSpPr>
+          <p:cNvPr id="11" name="Rectangle 10">
+            <a:extLst>
+              <a:ext uri="{FF2B5EF4-FFF2-40B4-BE49-F238E27FC236}">
+                <a16:creationId xmlns:a16="http://schemas.microsoft.com/office/drawing/2014/main" id="{1E3DF841-94BF-2244-AE37-72E2940E801F}"/>
+              </a:ext>
+            </a:extLst>
+          </p:cNvPr>
+          <p:cNvSpPr/>
+          <p:nvPr/>
+        </p:nvSpPr>
+        <p:spPr>
+          <a:xfrm>
+            <a:off x="3978245" y="1470478"/>
+            <a:ext cx="310393" cy="3387272"/>
+          </a:xfrm>
+          <a:prstGeom prst="rect">
+            <a:avLst/>
+          </a:prstGeom>
+          <a:solidFill>
+            <a:srgbClr val="FFC000">
+              <a:alpha val="10000"/>
+            </a:srgbClr>
+          </a:solidFill>
+          <a:ln>
+            <a:solidFill>
+              <a:srgbClr val="FAAF00"/>
+            </a:solidFill>
+          </a:ln>
+          <a:effectLst/>
+        </p:spPr>
+        <p:style>
+          <a:lnRef idx="1">
+            <a:schemeClr val="accent1"/>
+          </a:lnRef>
+          <a:fillRef idx="3">
+            <a:schemeClr val="accent1"/>
+          </a:fillRef>
+          <a:effectRef idx="2">
+            <a:schemeClr val="accent1"/>
+          </a:effectRef>
+          <a:fontRef idx="minor">
+            <a:schemeClr val="lt1"/>
+          </a:fontRef>
+        </p:style>
+        <p:txBody>
+          <a:bodyPr rtlCol="0" anchor="ctr"/>
+          <a:lstStyle/>
+          <a:p>
+            <a:pPr algn="ctr"/>
+            <a:endParaRPr lang="en-US" dirty="0"/>
+          </a:p>
+        </p:txBody>
+      </p:sp>
+      <p:sp>
+        <p:nvSpPr>
+          <p:cNvPr id="12" name="Rectangle 11">
+            <a:extLst>
+              <a:ext uri="{FF2B5EF4-FFF2-40B4-BE49-F238E27FC236}">
+                <a16:creationId xmlns:a16="http://schemas.microsoft.com/office/drawing/2014/main" id="{3D279C2C-7F55-C545-8122-F847D137FA3C}"/>
+              </a:ext>
+            </a:extLst>
+          </p:cNvPr>
+          <p:cNvSpPr/>
+          <p:nvPr/>
+        </p:nvSpPr>
+        <p:spPr>
+          <a:xfrm>
+            <a:off x="2682269" y="1731865"/>
+            <a:ext cx="2099456" cy="3013706"/>
+          </a:xfrm>
+          <a:prstGeom prst="rect">
+            <a:avLst/>
+          </a:prstGeom>
+          <a:solidFill>
+            <a:srgbClr val="00B050">
+              <a:alpha val="10000"/>
+            </a:srgbClr>
+          </a:solidFill>
+          <a:ln w="25400">
+            <a:solidFill>
+              <a:srgbClr val="00B050"/>
+            </a:solidFill>
+          </a:ln>
+          <a:effectLst/>
+        </p:spPr>
+        <p:style>
+          <a:lnRef idx="1">
+            <a:schemeClr val="accent1"/>
+          </a:lnRef>
+          <a:fillRef idx="3">
+            <a:schemeClr val="accent1"/>
+          </a:fillRef>
+          <a:effectRef idx="2">
+            <a:schemeClr val="accent1"/>
+          </a:effectRef>
+          <a:fontRef idx="minor">
+            <a:schemeClr val="lt1"/>
+          </a:fontRef>
+        </p:style>
+        <p:txBody>
+          <a:bodyPr rtlCol="0" anchor="ctr"/>
+          <a:lstStyle/>
+          <a:p>
+            <a:pPr algn="ctr"/>
+            <a:endParaRPr lang="en-US" dirty="0"/>
+          </a:p>
+        </p:txBody>
+      </p:sp>
+      <p:sp>
+        <p:nvSpPr>
+          <p:cNvPr id="14" name="Rectangle 13">
+            <a:extLst>
+              <a:ext uri="{FF2B5EF4-FFF2-40B4-BE49-F238E27FC236}">
+                <a16:creationId xmlns:a16="http://schemas.microsoft.com/office/drawing/2014/main" id="{CBA34072-D6B2-954D-A14B-CDDC5EC826BD}"/>
+              </a:ext>
+            </a:extLst>
+          </p:cNvPr>
+          <p:cNvSpPr/>
+          <p:nvPr/>
+        </p:nvSpPr>
+        <p:spPr>
+          <a:xfrm>
+            <a:off x="4781725" y="1731865"/>
+            <a:ext cx="2099456" cy="3013706"/>
+          </a:xfrm>
+          <a:prstGeom prst="rect">
+            <a:avLst/>
+          </a:prstGeom>
+          <a:solidFill>
+            <a:srgbClr val="00B050">
+              <a:alpha val="30000"/>
+            </a:srgbClr>
+          </a:solidFill>
+          <a:ln w="25400">
+            <a:solidFill>
+              <a:srgbClr val="00B050"/>
+            </a:solidFill>
+          </a:ln>
+          <a:effectLst/>
+        </p:spPr>
+        <p:style>
+          <a:lnRef idx="1">
+            <a:schemeClr val="accent1"/>
+          </a:lnRef>
+          <a:fillRef idx="3">
+            <a:schemeClr val="accent1"/>
+          </a:fillRef>
+          <a:effectRef idx="2">
+            <a:schemeClr val="accent1"/>
+          </a:effectRef>
+          <a:fontRef idx="minor">
+            <a:schemeClr val="lt1"/>
+          </a:fontRef>
+        </p:style>
+        <p:txBody>
+          <a:bodyPr rtlCol="0" anchor="ctr"/>
+          <a:lstStyle/>
+          <a:p>
+            <a:pPr algn="ctr"/>
+            <a:endParaRPr lang="en-US" dirty="0"/>
+          </a:p>
+        </p:txBody>
+      </p:sp>
     </p:spTree>
     <p:extLst>
       <p:ext uri="{BB962C8B-B14F-4D97-AF65-F5344CB8AC3E}">
@@ -9525,8 +9913,8 @@
           </a:p>
         </p:txBody>
       </p:sp>
-      <mc:AlternateContent xmlns:mc="http://schemas.openxmlformats.org/markup-compatibility/2006">
-        <mc:Choice xmlns:a14="http://schemas.microsoft.com/office/drawing/2010/main" Requires="a14">
+      <mc:AlternateContent xmlns:mc="http://schemas.openxmlformats.org/markup-compatibility/2006" xmlns:a14="http://schemas.microsoft.com/office/drawing/2010/main">
+        <mc:Choice Requires="a14">
           <p:sp>
             <p:nvSpPr>
               <p:cNvPr id="3" name="Content Placeholder 2">
@@ -10185,7 +10573,7 @@
             </p:txBody>
           </p:sp>
         </mc:Choice>
-        <mc:Fallback>
+        <mc:Fallback xmlns="">
           <p:sp>
             <p:nvSpPr>
               <p:cNvPr id="3" name="Content Placeholder 2">
@@ -10283,8 +10671,8 @@
           </a:p>
         </p:txBody>
       </p:sp>
-      <mc:AlternateContent xmlns:mc="http://schemas.openxmlformats.org/markup-compatibility/2006">
-        <mc:Choice xmlns:a14="http://schemas.microsoft.com/office/drawing/2010/main" Requires="a14">
+      <mc:AlternateContent xmlns:mc="http://schemas.openxmlformats.org/markup-compatibility/2006" xmlns:a14="http://schemas.microsoft.com/office/drawing/2010/main">
+        <mc:Choice Requires="a14">
           <p:sp>
             <p:nvSpPr>
               <p:cNvPr id="5" name="Content Placeholder 4">
@@ -10616,7 +11004,7 @@
             </p:txBody>
           </p:sp>
         </mc:Choice>
-        <mc:Fallback>
+        <mc:Fallback xmlns="">
           <p:sp>
             <p:nvSpPr>
               <p:cNvPr id="5" name="Content Placeholder 4">
@@ -10806,8 +11194,8 @@
           </a:p>
         </p:txBody>
       </p:sp>
-      <mc:AlternateContent xmlns:mc="http://schemas.openxmlformats.org/markup-compatibility/2006">
-        <mc:Choice xmlns:a14="http://schemas.microsoft.com/office/drawing/2010/main" Requires="a14">
+      <mc:AlternateContent xmlns:mc="http://schemas.openxmlformats.org/markup-compatibility/2006" xmlns:a14="http://schemas.microsoft.com/office/drawing/2010/main">
+        <mc:Choice Requires="a14">
           <p:sp>
             <p:nvSpPr>
               <p:cNvPr id="3" name="Content Placeholder 2">
@@ -11033,7 +11421,7 @@
             </p:txBody>
           </p:sp>
         </mc:Choice>
-        <mc:Fallback>
+        <mc:Fallback xmlns="">
           <p:sp>
             <p:nvSpPr>
               <p:cNvPr id="3" name="Content Placeholder 2">
@@ -11174,11 +11562,15 @@
               <a:rPr lang="en-US" dirty="0"/>
               <a:t>RNN component is GRU layer with RELU activation.</a:t>
             </a:r>
+            <a:r>
+              <a:rPr lang="en-US" baseline="30000" dirty="0"/>
+              <a:t>*</a:t>
+            </a:r>
           </a:p>
         </p:txBody>
       </p:sp>
-      <mc:AlternateContent xmlns:mc="http://schemas.openxmlformats.org/markup-compatibility/2006">
-        <mc:Choice xmlns:a14="http://schemas.microsoft.com/office/drawing/2010/main" Requires="a14">
+      <mc:AlternateContent xmlns:mc="http://schemas.openxmlformats.org/markup-compatibility/2006" xmlns:a14="http://schemas.microsoft.com/office/drawing/2010/main">
+        <mc:Choice Requires="a14">
           <p:sp>
             <p:nvSpPr>
               <p:cNvPr id="5" name="Rectangle 4">
@@ -12086,7 +12478,7 @@
             </p:txBody>
           </p:sp>
         </mc:Choice>
-        <mc:Fallback>
+        <mc:Fallback xmlns="">
           <p:sp>
             <p:nvSpPr>
               <p:cNvPr id="5" name="Rectangle 4">
@@ -12136,6 +12528,41 @@
           </p:sp>
         </mc:Fallback>
       </mc:AlternateContent>
+      <p:sp>
+        <p:nvSpPr>
+          <p:cNvPr id="4" name="TextBox 3">
+            <a:extLst>
+              <a:ext uri="{FF2B5EF4-FFF2-40B4-BE49-F238E27FC236}">
+                <a16:creationId xmlns:a16="http://schemas.microsoft.com/office/drawing/2014/main" id="{D895F033-D9FB-F543-BB1D-6C9D4F6D39A8}"/>
+              </a:ext>
+            </a:extLst>
+          </p:cNvPr>
+          <p:cNvSpPr txBox="1"/>
+          <p:nvPr/>
+        </p:nvSpPr>
+        <p:spPr>
+          <a:xfrm>
+            <a:off x="671120" y="4077049"/>
+            <a:ext cx="7582973" cy="276999"/>
+          </a:xfrm>
+          <a:prstGeom prst="rect">
+            <a:avLst/>
+          </a:prstGeom>
+          <a:noFill/>
+        </p:spPr>
+        <p:txBody>
+          <a:bodyPr wrap="none" rtlCol="0">
+            <a:spAutoFit/>
+          </a:bodyPr>
+          <a:lstStyle/>
+          <a:p>
+            <a:r>
+              <a:rPr lang="en-US" sz="1200" dirty="0"/>
+              <a:t>* The implementation of the paper is using tanh, but the authors claim is that RELU performs better than tanh</a:t>
+            </a:r>
+          </a:p>
+        </p:txBody>
+      </p:sp>
     </p:spTree>
     <p:extLst>
       <p:ext uri="{BB962C8B-B14F-4D97-AF65-F5344CB8AC3E}">
@@ -12226,8 +12653,8 @@
           </a:p>
         </p:txBody>
       </p:sp>
-      <mc:AlternateContent xmlns:mc="http://schemas.openxmlformats.org/markup-compatibility/2006">
-        <mc:Choice xmlns:a14="http://schemas.microsoft.com/office/drawing/2010/main" Requires="a14">
+      <mc:AlternateContent xmlns:mc="http://schemas.openxmlformats.org/markup-compatibility/2006" xmlns:a14="http://schemas.microsoft.com/office/drawing/2010/main">
+        <mc:Choice Requires="a14">
           <p:sp>
             <p:nvSpPr>
               <p:cNvPr id="5" name="Rectangle 4">
@@ -13159,7 +13586,7 @@
             </p:txBody>
           </p:sp>
         </mc:Choice>
-        <mc:Fallback>
+        <mc:Fallback xmlns="">
           <p:sp>
             <p:nvSpPr>
               <p:cNvPr id="5" name="Rectangle 4">
@@ -13449,8 +13876,8 @@
           </a:p>
         </p:txBody>
       </p:sp>
-      <mc:AlternateContent xmlns:mc="http://schemas.openxmlformats.org/markup-compatibility/2006">
-        <mc:Choice xmlns:a14="http://schemas.microsoft.com/office/drawing/2010/main" Requires="a14">
+      <mc:AlternateContent xmlns:mc="http://schemas.openxmlformats.org/markup-compatibility/2006" xmlns:a14="http://schemas.microsoft.com/office/drawing/2010/main">
+        <mc:Choice Requires="a14">
           <p:sp>
             <p:nvSpPr>
               <p:cNvPr id="6" name="Rectangle 5">
@@ -13939,7 +14366,6 @@
                 </a:endParaRPr>
               </a:p>
               <a:p>
-                <a:pPr/>
                 <a14:m>
                   <m:oMath xmlns:m="http://schemas.openxmlformats.org/officeDocument/2006/math">
                     <m:sSub>
@@ -14319,7 +14745,7 @@
             </p:txBody>
           </p:sp>
         </mc:Choice>
-        <mc:Fallback>
+        <mc:Fallback xmlns="">
           <p:sp>
             <p:nvSpPr>
               <p:cNvPr id="6" name="Rectangle 5">
@@ -14601,8 +15027,8 @@
           </a:p>
         </p:txBody>
       </p:sp>
-      <mc:AlternateContent xmlns:mc="http://schemas.openxmlformats.org/markup-compatibility/2006">
-        <mc:Choice xmlns:a14="http://schemas.microsoft.com/office/drawing/2010/main" Requires="a14">
+      <mc:AlternateContent xmlns:mc="http://schemas.openxmlformats.org/markup-compatibility/2006" xmlns:a14="http://schemas.microsoft.com/office/drawing/2010/main">
+        <mc:Choice Requires="a14">
           <p:sp>
             <p:nvSpPr>
               <p:cNvPr id="4" name="Rectangle 3">
@@ -14635,6 +15061,7 @@
               </a:bodyPr>
               <a:lstStyle/>
               <a:p>
+                <a:pPr/>
                 <a14:m>
                   <m:oMathPara xmlns:m="http://schemas.openxmlformats.org/officeDocument/2006/math">
                     <m:oMathParaPr>
@@ -14764,7 +15191,7 @@
             </p:txBody>
           </p:sp>
         </mc:Choice>
-        <mc:Fallback>
+        <mc:Fallback xmlns="">
           <p:sp>
             <p:nvSpPr>
               <p:cNvPr id="4" name="Rectangle 3">
@@ -15000,8 +15427,8 @@
           </p:spPr>
         </p:pic>
       </p:grpSp>
-      <mc:AlternateContent xmlns:mc="http://schemas.openxmlformats.org/markup-compatibility/2006">
-        <mc:Choice xmlns:a14="http://schemas.microsoft.com/office/drawing/2010/main" Requires="a14">
+      <mc:AlternateContent xmlns:mc="http://schemas.openxmlformats.org/markup-compatibility/2006" xmlns:a14="http://schemas.microsoft.com/office/drawing/2010/main">
+        <mc:Choice Requires="a14">
           <p:sp>
             <p:nvSpPr>
               <p:cNvPr id="11" name="TextBox 10">
@@ -15314,7 +15741,7 @@
             </p:txBody>
           </p:sp>
         </mc:Choice>
-        <mc:Fallback>
+        <mc:Fallback xmlns="">
           <p:sp>
             <p:nvSpPr>
               <p:cNvPr id="11" name="TextBox 10">
@@ -15663,8 +16090,8 @@
             </a:prstGeom>
           </p:spPr>
         </p:pic>
-        <mc:AlternateContent xmlns:mc="http://schemas.openxmlformats.org/markup-compatibility/2006">
-          <mc:Choice xmlns:a14="http://schemas.microsoft.com/office/drawing/2010/main" Requires="a14">
+        <mc:AlternateContent xmlns:mc="http://schemas.openxmlformats.org/markup-compatibility/2006" xmlns:a14="http://schemas.microsoft.com/office/drawing/2010/main">
+          <mc:Choice Requires="a14">
             <p:sp>
               <p:nvSpPr>
                 <p:cNvPr id="8" name="TextBox 7">
@@ -15693,6 +16120,7 @@
                 </a:bodyPr>
                 <a:lstStyle/>
                 <a:p>
+                  <a:pPr/>
                   <a14:m>
                     <m:oMathPara xmlns:m="http://schemas.openxmlformats.org/officeDocument/2006/math">
                       <m:oMathParaPr>
@@ -15800,7 +16228,7 @@
               </p:txBody>
             </p:sp>
           </mc:Choice>
-          <mc:Fallback>
+          <mc:Fallback xmlns="">
             <p:sp>
               <p:nvSpPr>
                 <p:cNvPr id="8" name="TextBox 7">
@@ -15845,8 +16273,8 @@
             </p:sp>
           </mc:Fallback>
         </mc:AlternateContent>
-        <mc:AlternateContent xmlns:mc="http://schemas.openxmlformats.org/markup-compatibility/2006">
-          <mc:Choice xmlns:a14="http://schemas.microsoft.com/office/drawing/2010/main" Requires="a14">
+        <mc:AlternateContent xmlns:mc="http://schemas.openxmlformats.org/markup-compatibility/2006" xmlns:a14="http://schemas.microsoft.com/office/drawing/2010/main">
+          <mc:Choice Requires="a14">
             <p:sp>
               <p:nvSpPr>
                 <p:cNvPr id="9" name="TextBox 8">
@@ -15875,6 +16303,7 @@
                 </a:bodyPr>
                 <a:lstStyle/>
                 <a:p>
+                  <a:pPr/>
                   <a14:m>
                     <m:oMathPara xmlns:m="http://schemas.openxmlformats.org/officeDocument/2006/math">
                       <m:oMathParaPr>
@@ -16013,7 +16442,7 @@
               </p:txBody>
             </p:sp>
           </mc:Choice>
-          <mc:Fallback>
+          <mc:Fallback xmlns="">
             <p:sp>
               <p:nvSpPr>
                 <p:cNvPr id="9" name="TextBox 8">
@@ -16097,8 +16526,8 @@
           </a:p>
         </p:txBody>
       </p:sp>
-      <mc:AlternateContent xmlns:mc="http://schemas.openxmlformats.org/markup-compatibility/2006">
-        <mc:Choice xmlns:a14="http://schemas.microsoft.com/office/drawing/2010/main" Requires="a14">
+      <mc:AlternateContent xmlns:mc="http://schemas.openxmlformats.org/markup-compatibility/2006" xmlns:a14="http://schemas.microsoft.com/office/drawing/2010/main">
+        <mc:Choice Requires="a14">
           <p:sp>
             <p:nvSpPr>
               <p:cNvPr id="13" name="TextBox 12">
@@ -16127,6 +16556,7 @@
               </a:bodyPr>
               <a:lstStyle/>
               <a:p>
+                <a:pPr/>
                 <a14:m>
                   <m:oMathPara xmlns:m="http://schemas.openxmlformats.org/officeDocument/2006/math">
                     <m:oMathParaPr>
@@ -16165,7 +16595,7 @@
             </p:txBody>
           </p:sp>
         </mc:Choice>
-        <mc:Fallback>
+        <mc:Fallback xmlns="">
           <p:sp>
             <p:nvSpPr>
               <p:cNvPr id="13" name="TextBox 12">
@@ -16635,7 +17065,12 @@
             <p:ph sz="half" idx="12"/>
           </p:nvPr>
         </p:nvSpPr>
-        <p:spPr/>
+        <p:spPr>
+          <a:xfrm>
+            <a:off x="342041" y="719946"/>
+            <a:ext cx="8226225" cy="3911321"/>
+          </a:xfrm>
+        </p:spPr>
         <p:txBody>
           <a:bodyPr/>
           <a:lstStyle/>
@@ -16646,21 +17081,21 @@
             </a:pPr>
             <a:r>
               <a:rPr lang="en-US" dirty="0"/>
-              <a:t>Most methods are designed to forecasting individual series or small groups. New set of problems have emerged that require to predict series.</a:t>
-            </a:r>
-          </a:p>
-          <a:p>
-            <a:pPr marL="342900" indent="-342900">
+              <a:t>Most methods are designed to forecasting individual series or small groups. New set of problems have emerged:</a:t>
+            </a:r>
+          </a:p>
+          <a:p>
+            <a:pPr marL="1085850" lvl="1" indent="-342900">
               <a:buFont typeface="Arial" panose="020B0604020202020204" pitchFamily="34" charset="0"/>
               <a:buChar char="•"/>
             </a:pPr>
             <a:r>
               <a:rPr lang="en-US" dirty="0"/>
-              <a:t>In recent years problem of forecasting a large number of individual or grouped time series.  </a:t>
-            </a:r>
-          </a:p>
-          <a:p>
-            <a:pPr marL="342900" indent="-342900">
+              <a:t>Forecasting a large number of individual or grouped time series.  </a:t>
+            </a:r>
+          </a:p>
+          <a:p>
+            <a:pPr marL="1085850" lvl="1" indent="-342900">
               <a:buFont typeface="Arial" panose="020B0604020202020204" pitchFamily="34" charset="0"/>
               <a:buChar char="•"/>
             </a:pPr>
@@ -16670,13 +17105,23 @@
             </a:r>
           </a:p>
           <a:p>
-            <a:pPr marL="342900" indent="-342900">
+            <a:pPr marL="1085850" lvl="1" indent="-342900">
               <a:buFont typeface="Arial" panose="020B0604020202020204" pitchFamily="34" charset="0"/>
               <a:buChar char="•"/>
             </a:pPr>
             <a:r>
               <a:rPr lang="en-US" dirty="0"/>
               <a:t>Many older models cannot account for environmental inputs.</a:t>
+            </a:r>
+          </a:p>
+          <a:p>
+            <a:pPr marL="1085850" lvl="1" indent="-342900">
+              <a:buFont typeface="Arial" panose="020B0604020202020204" pitchFamily="34" charset="0"/>
+              <a:buChar char="•"/>
+            </a:pPr>
+            <a:r>
+              <a:rPr lang="en-US" dirty="0"/>
+              <a:t>Cold start problem for new items to be included in the forecast.</a:t>
             </a:r>
           </a:p>
         </p:txBody>
@@ -16792,7 +17237,7 @@
 </file>
 
 <file path=ppt/slides/slide6.xml><?xml version="1.0" encoding="utf-8"?>
-<p:sld xmlns:a="http://schemas.openxmlformats.org/drawingml/2006/main" xmlns:r="http://schemas.openxmlformats.org/officeDocument/2006/relationships" xmlns:p="http://schemas.openxmlformats.org/presentationml/2006/main">
+<p:sld xmlns:a="http://schemas.openxmlformats.org/drawingml/2006/main" xmlns:r="http://schemas.openxmlformats.org/officeDocument/2006/relationships" xmlns:p="http://schemas.openxmlformats.org/presentationml/2006/main" show="0">
   <p:cSld>
     <p:spTree>
       <p:nvGrpSpPr>
@@ -16851,7 +17296,7 @@
 </file>
 
 <file path=ppt/slides/slide7.xml><?xml version="1.0" encoding="utf-8"?>
-<p:sld xmlns:a="http://schemas.openxmlformats.org/drawingml/2006/main" xmlns:r="http://schemas.openxmlformats.org/officeDocument/2006/relationships" xmlns:p="http://schemas.openxmlformats.org/presentationml/2006/main">
+<p:sld xmlns:a="http://schemas.openxmlformats.org/drawingml/2006/main" xmlns:r="http://schemas.openxmlformats.org/officeDocument/2006/relationships" xmlns:p="http://schemas.openxmlformats.org/presentationml/2006/main" show="0">
   <p:cSld>
     <p:spTree>
       <p:nvGrpSpPr>
@@ -16961,7 +17406,7 @@
 </file>
 
 <file path=ppt/slides/slide8.xml><?xml version="1.0" encoding="utf-8"?>
-<p:sld xmlns:a="http://schemas.openxmlformats.org/drawingml/2006/main" xmlns:r="http://schemas.openxmlformats.org/officeDocument/2006/relationships" xmlns:p="http://schemas.openxmlformats.org/presentationml/2006/main">
+<p:sld xmlns:a="http://schemas.openxmlformats.org/drawingml/2006/main" xmlns:r="http://schemas.openxmlformats.org/officeDocument/2006/relationships" xmlns:p="http://schemas.openxmlformats.org/presentationml/2006/main" show="0">
   <p:cSld>
     <p:spTree>
       <p:nvGrpSpPr>
@@ -17130,7 +17575,7 @@
 </file>
 
 <file path=ppt/slides/slide9.xml><?xml version="1.0" encoding="utf-8"?>
-<p:sld xmlns:a="http://schemas.openxmlformats.org/drawingml/2006/main" xmlns:r="http://schemas.openxmlformats.org/officeDocument/2006/relationships" xmlns:p="http://schemas.openxmlformats.org/presentationml/2006/main">
+<p:sld xmlns:a="http://schemas.openxmlformats.org/drawingml/2006/main" xmlns:r="http://schemas.openxmlformats.org/officeDocument/2006/relationships" xmlns:p="http://schemas.openxmlformats.org/presentationml/2006/main" show="0">
   <p:cSld>
     <p:spTree>
       <p:nvGrpSpPr>
@@ -17178,8 +17623,8 @@
           </a:p>
         </p:txBody>
       </p:sp>
-      <mc:AlternateContent xmlns:mc="http://schemas.openxmlformats.org/markup-compatibility/2006">
-        <mc:Choice xmlns:a14="http://schemas.microsoft.com/office/drawing/2010/main" Requires="a14">
+      <mc:AlternateContent xmlns:mc="http://schemas.openxmlformats.org/markup-compatibility/2006" xmlns:a14="http://schemas.microsoft.com/office/drawing/2010/main">
+        <mc:Choice Requires="a14">
           <p:sp>
             <p:nvSpPr>
               <p:cNvPr id="3" name="Content Placeholder 2">
@@ -17450,7 +17895,6 @@
                 <a:endParaRPr lang="en-US" b="0" dirty="0"/>
               </a:p>
               <a:p>
-                <a:pPr/>
                 <a:endParaRPr lang="en-US" sz="1400" dirty="0"/>
               </a:p>
               <a:p>
@@ -17506,7 +17950,7 @@
             </p:txBody>
           </p:sp>
         </mc:Choice>
-        <mc:Fallback>
+        <mc:Fallback xmlns="">
           <p:sp>
             <p:nvSpPr>
               <p:cNvPr id="3" name="Content Placeholder 2">
@@ -17546,8 +17990,8 @@
           </p:sp>
         </mc:Fallback>
       </mc:AlternateContent>
-      <mc:AlternateContent xmlns:mc="http://schemas.openxmlformats.org/markup-compatibility/2006">
-        <mc:Choice xmlns:a14="http://schemas.microsoft.com/office/drawing/2010/main" Requires="a14">
+      <mc:AlternateContent xmlns:mc="http://schemas.openxmlformats.org/markup-compatibility/2006" xmlns:a14="http://schemas.microsoft.com/office/drawing/2010/main">
+        <mc:Choice Requires="a14">
           <p:sp>
             <p:nvSpPr>
               <p:cNvPr id="8" name="Rectangle 7">
@@ -18270,7 +18714,7 @@
             </p:txBody>
           </p:sp>
         </mc:Choice>
-        <mc:Fallback>
+        <mc:Fallback xmlns="">
           <p:sp>
             <p:nvSpPr>
               <p:cNvPr id="8" name="Rectangle 7">
@@ -18320,8 +18764,8 @@
           </p:sp>
         </mc:Fallback>
       </mc:AlternateContent>
-      <mc:AlternateContent xmlns:mc="http://schemas.openxmlformats.org/markup-compatibility/2006">
-        <mc:Choice xmlns:a14="http://schemas.microsoft.com/office/drawing/2010/main" Requires="a14">
+      <mc:AlternateContent xmlns:mc="http://schemas.openxmlformats.org/markup-compatibility/2006" xmlns:a14="http://schemas.microsoft.com/office/drawing/2010/main">
+        <mc:Choice Requires="a14">
           <p:sp>
             <p:nvSpPr>
               <p:cNvPr id="9" name="Rectangle 8">
@@ -18578,7 +19022,7 @@
             </p:txBody>
           </p:sp>
         </mc:Choice>
-        <mc:Fallback>
+        <mc:Fallback xmlns="">
           <p:sp>
             <p:nvSpPr>
               <p:cNvPr id="9" name="Rectangle 8">
@@ -19564,12 +20008,6 @@
 </file>
 
 <file path=customXml/item2.xml><?xml version="1.0" encoding="utf-8"?>
-<p:properties xmlns:p="http://schemas.microsoft.com/office/2006/metadata/properties" xmlns:xsi="http://www.w3.org/2001/XMLSchema-instance">
-  <documentManagement/>
-</p:properties>
-</file>
-
-<file path=customXml/item3.xml><?xml version="1.0" encoding="utf-8"?>
 <ct:contentTypeSchema xmlns:ct="http://schemas.microsoft.com/office/2006/metadata/contentType" xmlns:ma="http://schemas.microsoft.com/office/2006/metadata/properties/metaAttributes" ct:_="" ma:_="" ma:contentTypeName="Document" ma:contentTypeID="0x010100D26A3D6C04DFD740953BA1B2B9E62D60" ma:contentTypeVersion="0" ma:contentTypeDescription="Create a new document." ma:contentTypeScope="" ma:versionID="26617cd14cd3af163c0e97ff614e520a">
   <xsd:schema xmlns:xsd="http://www.w3.org/2001/XMLSchema" xmlns:xs="http://www.w3.org/2001/XMLSchema" xmlns:p="http://schemas.microsoft.com/office/2006/metadata/properties" targetNamespace="http://schemas.microsoft.com/office/2006/metadata/properties" ma:root="true" ma:fieldsID="c64490b4aec6201516c3a874156f37b2">
     <xsd:element name="properties">
@@ -19683,6 +20121,12 @@
 </ct:contentTypeSchema>
 </file>
 
+<file path=customXml/item3.xml><?xml version="1.0" encoding="utf-8"?>
+<p:properties xmlns:p="http://schemas.microsoft.com/office/2006/metadata/properties" xmlns:xsi="http://www.w3.org/2001/XMLSchema-instance">
+  <documentManagement/>
+</p:properties>
+</file>
+
 <file path=customXml/itemProps1.xml><?xml version="1.0" encoding="utf-8"?>
 <ds:datastoreItem xmlns:ds="http://schemas.openxmlformats.org/officeDocument/2006/customXml" ds:itemID="{705B35A6-8B52-46A5-AE45-B98C6459DC10}">
   <ds:schemaRefs>
@@ -19692,21 +20136,6 @@
 </file>
 
 <file path=customXml/itemProps2.xml><?xml version="1.0" encoding="utf-8"?>
-<ds:datastoreItem xmlns:ds="http://schemas.openxmlformats.org/officeDocument/2006/customXml" ds:itemID="{C597C89A-FD0C-431E-81F6-90225B937683}">
-  <ds:schemaRefs>
-    <ds:schemaRef ds:uri="http://schemas.microsoft.com/office/infopath/2007/PartnerControls"/>
-    <ds:schemaRef ds:uri="http://www.w3.org/XML/1998/namespace"/>
-    <ds:schemaRef ds:uri="http://schemas.microsoft.com/office/2006/documentManagement/types"/>
-    <ds:schemaRef ds:uri="http://purl.org/dc/dcmitype/"/>
-    <ds:schemaRef ds:uri="http://schemas.openxmlformats.org/package/2006/metadata/core-properties"/>
-    <ds:schemaRef ds:uri="http://purl.org/dc/terms/"/>
-    <ds:schemaRef ds:uri="http://schemas.microsoft.com/office/2006/metadata/properties"/>
-    <ds:schemaRef ds:uri="http://purl.org/dc/elements/1.1/"/>
-  </ds:schemaRefs>
-</ds:datastoreItem>
-</file>
-
-<file path=customXml/itemProps3.xml><?xml version="1.0" encoding="utf-8"?>
 <ds:datastoreItem xmlns:ds="http://schemas.openxmlformats.org/officeDocument/2006/customXml" ds:itemID="{51A3258A-222C-4488-825E-7520D001FB75}">
   <ds:schemaRefs>
     <ds:schemaRef ds:uri="http://schemas.microsoft.com/office/2006/metadata/contentType"/>
@@ -19720,4 +20149,19 @@
     <ds:schemaRef ds:uri="http://schemas.microsoft.com/office/infopath/2007/PartnerControls"/>
   </ds:schemaRefs>
 </ds:datastoreItem>
+</file>
+
+<file path=customXml/itemProps3.xml><?xml version="1.0" encoding="utf-8"?>
+<ds:datastoreItem xmlns:ds="http://schemas.openxmlformats.org/officeDocument/2006/customXml" ds:itemID="{C597C89A-FD0C-431E-81F6-90225B937683}">
+  <ds:schemaRefs>
+    <ds:schemaRef ds:uri="http://schemas.microsoft.com/office/infopath/2007/PartnerControls"/>
+    <ds:schemaRef ds:uri="http://www.w3.org/XML/1998/namespace"/>
+    <ds:schemaRef ds:uri="http://schemas.microsoft.com/office/2006/documentManagement/types"/>
+    <ds:schemaRef ds:uri="http://purl.org/dc/dcmitype/"/>
+    <ds:schemaRef ds:uri="http://schemas.openxmlformats.org/package/2006/metadata/core-properties"/>
+    <ds:schemaRef ds:uri="http://purl.org/dc/terms/"/>
+    <ds:schemaRef ds:uri="http://schemas.microsoft.com/office/2006/metadata/properties"/>
+    <ds:schemaRef ds:uri="http://purl.org/dc/elements/1.1/"/>
+  </ds:schemaRefs>
+</ds:datastoreItem>
 </file>